--- a/Presentasi Project.pptx
+++ b/Presentasi Project.pptx
@@ -5,33 +5,33 @@
     <p:sldMasterId id="2147483648" r:id="rId1"/>
   </p:sldMasterIdLst>
   <p:notesMasterIdLst>
-    <p:notesMasterId r:id="rId4"/>
+    <p:notesMasterId r:id="rId15"/>
   </p:notesMasterIdLst>
   <p:sldIdLst>
-    <p:sldId id="256" r:id="rId3"/>
-    <p:sldId id="257" r:id="rId5"/>
-    <p:sldId id="258" r:id="rId6"/>
-    <p:sldId id="260" r:id="rId7"/>
-    <p:sldId id="447" r:id="rId8"/>
-    <p:sldId id="450" r:id="rId9"/>
-    <p:sldId id="451" r:id="rId10"/>
-    <p:sldId id="452" r:id="rId11"/>
-    <p:sldId id="453" r:id="rId12"/>
-    <p:sldId id="454" r:id="rId13"/>
-    <p:sldId id="455" r:id="rId14"/>
-    <p:sldId id="456" r:id="rId15"/>
-    <p:sldId id="333" r:id="rId16"/>
+    <p:sldId id="256" r:id="rId2"/>
+    <p:sldId id="257" r:id="rId3"/>
+    <p:sldId id="258" r:id="rId4"/>
+    <p:sldId id="260" r:id="rId5"/>
+    <p:sldId id="447" r:id="rId6"/>
+    <p:sldId id="450" r:id="rId7"/>
+    <p:sldId id="451" r:id="rId8"/>
+    <p:sldId id="452" r:id="rId9"/>
+    <p:sldId id="453" r:id="rId10"/>
+    <p:sldId id="454" r:id="rId11"/>
+    <p:sldId id="455" r:id="rId12"/>
+    <p:sldId id="456" r:id="rId13"/>
+    <p:sldId id="333" r:id="rId14"/>
   </p:sldIdLst>
   <p:sldSz cx="9144000" cy="5143500" type="screen16x9"/>
   <p:notesSz cx="6858000" cy="9144000"/>
   <p:embeddedFontLst>
     <p:embeddedFont>
-      <p:font typeface="Raleway"/>
-      <p:regular r:id="rId20"/>
+      <p:font typeface="Raleway" panose="020B0604020202020204" charset="0"/>
+      <p:regular r:id="rId16"/>
     </p:embeddedFont>
     <p:embeddedFont>
-      <p:font typeface="Lato" panose="020F0502020204030203"/>
-      <p:regular r:id="rId21"/>
+      <p:font typeface="Lato" panose="020B0604020202020204" charset="0"/>
+      <p:regular r:id="rId17"/>
     </p:embeddedFont>
   </p:embeddedFontLst>
   <p:defaultTextStyle>
@@ -483,7 +483,9 @@
               <a:defRPr sz="1100"/>
             </a:lvl9pPr>
           </a:lstStyle>
-          <a:p/>
+          <a:p>
+            <a:endParaRPr/>
+          </a:p>
         </p:txBody>
       </p:sp>
     </p:spTree>
@@ -722,7 +724,7 @@
 </file>
 
 <file path=ppt/notesSlides/notesSlide1.xml><?xml version="1.0" encoding="utf-8"?>
-<p:notes xmlns:a="http://schemas.openxmlformats.org/drawingml/2006/main" xmlns:r="http://schemas.openxmlformats.org/officeDocument/2006/relationships" xmlns:p="http://schemas.openxmlformats.org/presentationml/2006/main" showMasterPhAnim="0" showMasterSp="0">
+<p:notes xmlns:a="http://schemas.openxmlformats.org/drawingml/2006/main" xmlns:r="http://schemas.openxmlformats.org/officeDocument/2006/relationships" xmlns:p="http://schemas.openxmlformats.org/presentationml/2006/main" showMasterSp="0" showMasterPhAnim="0">
   <p:cSld>
     <p:spTree>
       <p:nvGrpSpPr>
@@ -813,6 +815,7 @@
               </a:spcAft>
               <a:buNone/>
             </a:pPr>
+            <a:endParaRPr/>
           </a:p>
         </p:txBody>
       </p:sp>
@@ -825,7 +828,7 @@
 </file>
 
 <file path=ppt/notesSlides/notesSlide10.xml><?xml version="1.0" encoding="utf-8"?>
-<p:notes xmlns:a="http://schemas.openxmlformats.org/drawingml/2006/main" xmlns:r="http://schemas.openxmlformats.org/officeDocument/2006/relationships" xmlns:p="http://schemas.openxmlformats.org/presentationml/2006/main" showMasterPhAnim="0" showMasterSp="0">
+<p:notes xmlns:a="http://schemas.openxmlformats.org/drawingml/2006/main" xmlns:r="http://schemas.openxmlformats.org/officeDocument/2006/relationships" xmlns:p="http://schemas.openxmlformats.org/presentationml/2006/main" showMasterSp="0" showMasterPhAnim="0">
   <p:cSld>
     <p:spTree>
       <p:nvGrpSpPr>
@@ -916,6 +919,7 @@
               </a:spcAft>
               <a:buNone/>
             </a:pPr>
+            <a:endParaRPr/>
           </a:p>
         </p:txBody>
       </p:sp>
@@ -928,7 +932,7 @@
 </file>
 
 <file path=ppt/notesSlides/notesSlide11.xml><?xml version="1.0" encoding="utf-8"?>
-<p:notes xmlns:a="http://schemas.openxmlformats.org/drawingml/2006/main" xmlns:r="http://schemas.openxmlformats.org/officeDocument/2006/relationships" xmlns:p="http://schemas.openxmlformats.org/presentationml/2006/main" showMasterPhAnim="0" showMasterSp="0">
+<p:notes xmlns:a="http://schemas.openxmlformats.org/drawingml/2006/main" xmlns:r="http://schemas.openxmlformats.org/officeDocument/2006/relationships" xmlns:p="http://schemas.openxmlformats.org/presentationml/2006/main" showMasterSp="0" showMasterPhAnim="0">
   <p:cSld>
     <p:spTree>
       <p:nvGrpSpPr>
@@ -1019,6 +1023,7 @@
               </a:spcAft>
               <a:buNone/>
             </a:pPr>
+            <a:endParaRPr/>
           </a:p>
         </p:txBody>
       </p:sp>
@@ -1031,7 +1036,7 @@
 </file>
 
 <file path=ppt/notesSlides/notesSlide12.xml><?xml version="1.0" encoding="utf-8"?>
-<p:notes xmlns:a="http://schemas.openxmlformats.org/drawingml/2006/main" xmlns:r="http://schemas.openxmlformats.org/officeDocument/2006/relationships" xmlns:p="http://schemas.openxmlformats.org/presentationml/2006/main" showMasterPhAnim="0" showMasterSp="0">
+<p:notes xmlns:a="http://schemas.openxmlformats.org/drawingml/2006/main" xmlns:r="http://schemas.openxmlformats.org/officeDocument/2006/relationships" xmlns:p="http://schemas.openxmlformats.org/presentationml/2006/main" showMasterSp="0" showMasterPhAnim="0">
   <p:cSld>
     <p:spTree>
       <p:nvGrpSpPr>
@@ -1122,6 +1127,7 @@
               </a:spcAft>
               <a:buNone/>
             </a:pPr>
+            <a:endParaRPr/>
           </a:p>
         </p:txBody>
       </p:sp>
@@ -1134,7 +1140,7 @@
 </file>
 
 <file path=ppt/notesSlides/notesSlide13.xml><?xml version="1.0" encoding="utf-8"?>
-<p:notes xmlns:a="http://schemas.openxmlformats.org/drawingml/2006/main" xmlns:r="http://schemas.openxmlformats.org/officeDocument/2006/relationships" xmlns:p="http://schemas.openxmlformats.org/presentationml/2006/main" showMasterPhAnim="0" showMasterSp="0">
+<p:notes xmlns:a="http://schemas.openxmlformats.org/drawingml/2006/main" xmlns:r="http://schemas.openxmlformats.org/officeDocument/2006/relationships" xmlns:p="http://schemas.openxmlformats.org/presentationml/2006/main" showMasterSp="0" showMasterPhAnim="0">
   <p:cSld>
     <p:spTree>
       <p:nvGrpSpPr>
@@ -1225,6 +1231,7 @@
               </a:spcAft>
               <a:buNone/>
             </a:pPr>
+            <a:endParaRPr/>
           </a:p>
         </p:txBody>
       </p:sp>
@@ -1237,7 +1244,7 @@
 </file>
 
 <file path=ppt/notesSlides/notesSlide2.xml><?xml version="1.0" encoding="utf-8"?>
-<p:notes xmlns:a="http://schemas.openxmlformats.org/drawingml/2006/main" xmlns:r="http://schemas.openxmlformats.org/officeDocument/2006/relationships" xmlns:p="http://schemas.openxmlformats.org/presentationml/2006/main" showMasterPhAnim="0" showMasterSp="0">
+<p:notes xmlns:a="http://schemas.openxmlformats.org/drawingml/2006/main" xmlns:r="http://schemas.openxmlformats.org/officeDocument/2006/relationships" xmlns:p="http://schemas.openxmlformats.org/presentationml/2006/main" showMasterSp="0" showMasterPhAnim="0">
   <p:cSld>
     <p:spTree>
       <p:nvGrpSpPr>
@@ -1328,6 +1335,7 @@
               </a:spcAft>
               <a:buNone/>
             </a:pPr>
+            <a:endParaRPr/>
           </a:p>
         </p:txBody>
       </p:sp>
@@ -1340,7 +1348,7 @@
 </file>
 
 <file path=ppt/notesSlides/notesSlide3.xml><?xml version="1.0" encoding="utf-8"?>
-<p:notes xmlns:a="http://schemas.openxmlformats.org/drawingml/2006/main" xmlns:r="http://schemas.openxmlformats.org/officeDocument/2006/relationships" xmlns:p="http://schemas.openxmlformats.org/presentationml/2006/main" showMasterPhAnim="0" showMasterSp="0">
+<p:notes xmlns:a="http://schemas.openxmlformats.org/drawingml/2006/main" xmlns:r="http://schemas.openxmlformats.org/officeDocument/2006/relationships" xmlns:p="http://schemas.openxmlformats.org/presentationml/2006/main" showMasterSp="0" showMasterPhAnim="0">
   <p:cSld>
     <p:spTree>
       <p:nvGrpSpPr>
@@ -1431,6 +1439,7 @@
               </a:spcAft>
               <a:buNone/>
             </a:pPr>
+            <a:endParaRPr/>
           </a:p>
         </p:txBody>
       </p:sp>
@@ -1443,7 +1452,7 @@
 </file>
 
 <file path=ppt/notesSlides/notesSlide4.xml><?xml version="1.0" encoding="utf-8"?>
-<p:notes xmlns:a="http://schemas.openxmlformats.org/drawingml/2006/main" xmlns:r="http://schemas.openxmlformats.org/officeDocument/2006/relationships" xmlns:p="http://schemas.openxmlformats.org/presentationml/2006/main" showMasterPhAnim="0" showMasterSp="0">
+<p:notes xmlns:a="http://schemas.openxmlformats.org/drawingml/2006/main" xmlns:r="http://schemas.openxmlformats.org/officeDocument/2006/relationships" xmlns:p="http://schemas.openxmlformats.org/presentationml/2006/main" showMasterSp="0" showMasterPhAnim="0">
   <p:cSld>
     <p:spTree>
       <p:nvGrpSpPr>
@@ -1622,7 +1631,6 @@
               <a:rPr lang="en-US" dirty="0"/>
               <a:t>.</a:t>
             </a:r>
-            <a:endParaRPr lang="en-US" dirty="0"/>
           </a:p>
           <a:p>
             <a:pPr marL="0" lvl="0" indent="0" algn="l" rtl="0">
@@ -1790,7 +1798,6 @@
               <a:rPr lang="en-US" dirty="0"/>
               <a:t> insert data to table.</a:t>
             </a:r>
-            <a:endParaRPr lang="en-US" dirty="0"/>
           </a:p>
           <a:p>
             <a:pPr marL="0" lvl="0" indent="0" algn="l" rtl="0">
@@ -1910,7 +1917,6 @@
               <a:rPr lang="en-US" dirty="0"/>
               <a:t> insert data to table.</a:t>
             </a:r>
-            <a:endParaRPr lang="en-US" dirty="0"/>
           </a:p>
           <a:p>
             <a:pPr marL="0" lvl="0" indent="0" algn="l" rtl="0">
@@ -2030,7 +2036,6 @@
               <a:rPr lang="en-US" dirty="0"/>
               <a:t>.</a:t>
             </a:r>
-            <a:endParaRPr lang="en-US" dirty="0"/>
           </a:p>
         </p:txBody>
       </p:sp>
@@ -2043,7 +2048,7 @@
 </file>
 
 <file path=ppt/notesSlides/notesSlide5.xml><?xml version="1.0" encoding="utf-8"?>
-<p:notes xmlns:a="http://schemas.openxmlformats.org/drawingml/2006/main" xmlns:r="http://schemas.openxmlformats.org/officeDocument/2006/relationships" xmlns:p="http://schemas.openxmlformats.org/presentationml/2006/main" showMasterPhAnim="0" showMasterSp="0">
+<p:notes xmlns:a="http://schemas.openxmlformats.org/drawingml/2006/main" xmlns:r="http://schemas.openxmlformats.org/officeDocument/2006/relationships" xmlns:p="http://schemas.openxmlformats.org/presentationml/2006/main" showMasterSp="0" showMasterPhAnim="0">
   <p:cSld>
     <p:spTree>
       <p:nvGrpSpPr>
@@ -2134,6 +2139,7 @@
               </a:spcAft>
               <a:buNone/>
             </a:pPr>
+            <a:endParaRPr/>
           </a:p>
         </p:txBody>
       </p:sp>
@@ -2146,7 +2152,7 @@
 </file>
 
 <file path=ppt/notesSlides/notesSlide6.xml><?xml version="1.0" encoding="utf-8"?>
-<p:notes xmlns:a="http://schemas.openxmlformats.org/drawingml/2006/main" xmlns:r="http://schemas.openxmlformats.org/officeDocument/2006/relationships" xmlns:p="http://schemas.openxmlformats.org/presentationml/2006/main" showMasterPhAnim="0" showMasterSp="0">
+<p:notes xmlns:a="http://schemas.openxmlformats.org/drawingml/2006/main" xmlns:r="http://schemas.openxmlformats.org/officeDocument/2006/relationships" xmlns:p="http://schemas.openxmlformats.org/presentationml/2006/main" showMasterSp="0" showMasterPhAnim="0">
   <p:cSld>
     <p:spTree>
       <p:nvGrpSpPr>
@@ -2237,6 +2243,7 @@
               </a:spcAft>
               <a:buNone/>
             </a:pPr>
+            <a:endParaRPr/>
           </a:p>
         </p:txBody>
       </p:sp>
@@ -2249,7 +2256,7 @@
 </file>
 
 <file path=ppt/notesSlides/notesSlide7.xml><?xml version="1.0" encoding="utf-8"?>
-<p:notes xmlns:a="http://schemas.openxmlformats.org/drawingml/2006/main" xmlns:r="http://schemas.openxmlformats.org/officeDocument/2006/relationships" xmlns:p="http://schemas.openxmlformats.org/presentationml/2006/main" showMasterPhAnim="0" showMasterSp="0">
+<p:notes xmlns:a="http://schemas.openxmlformats.org/drawingml/2006/main" xmlns:r="http://schemas.openxmlformats.org/officeDocument/2006/relationships" xmlns:p="http://schemas.openxmlformats.org/presentationml/2006/main" showMasterSp="0" showMasterPhAnim="0">
   <p:cSld>
     <p:spTree>
       <p:nvGrpSpPr>
@@ -2340,6 +2347,7 @@
               </a:spcAft>
               <a:buNone/>
             </a:pPr>
+            <a:endParaRPr/>
           </a:p>
         </p:txBody>
       </p:sp>
@@ -2352,7 +2360,7 @@
 </file>
 
 <file path=ppt/notesSlides/notesSlide8.xml><?xml version="1.0" encoding="utf-8"?>
-<p:notes xmlns:a="http://schemas.openxmlformats.org/drawingml/2006/main" xmlns:r="http://schemas.openxmlformats.org/officeDocument/2006/relationships" xmlns:p="http://schemas.openxmlformats.org/presentationml/2006/main" showMasterPhAnim="0" showMasterSp="0">
+<p:notes xmlns:a="http://schemas.openxmlformats.org/drawingml/2006/main" xmlns:r="http://schemas.openxmlformats.org/officeDocument/2006/relationships" xmlns:p="http://schemas.openxmlformats.org/presentationml/2006/main" showMasterSp="0" showMasterPhAnim="0">
   <p:cSld>
     <p:spTree>
       <p:nvGrpSpPr>
@@ -2443,6 +2451,7 @@
               </a:spcAft>
               <a:buNone/>
             </a:pPr>
+            <a:endParaRPr/>
           </a:p>
         </p:txBody>
       </p:sp>
@@ -2455,7 +2464,7 @@
 </file>
 
 <file path=ppt/notesSlides/notesSlide9.xml><?xml version="1.0" encoding="utf-8"?>
-<p:notes xmlns:a="http://schemas.openxmlformats.org/drawingml/2006/main" xmlns:r="http://schemas.openxmlformats.org/officeDocument/2006/relationships" xmlns:p="http://schemas.openxmlformats.org/presentationml/2006/main" showMasterPhAnim="0" showMasterSp="0">
+<p:notes xmlns:a="http://schemas.openxmlformats.org/drawingml/2006/main" xmlns:r="http://schemas.openxmlformats.org/officeDocument/2006/relationships" xmlns:p="http://schemas.openxmlformats.org/presentationml/2006/main" showMasterSp="0" showMasterPhAnim="0">
   <p:cSld>
     <p:spTree>
       <p:nvGrpSpPr>
@@ -2546,6 +2555,7 @@
               </a:spcAft>
               <a:buNone/>
             </a:pPr>
+            <a:endParaRPr/>
           </a:p>
         </p:txBody>
       </p:sp>
@@ -2558,7 +2568,7 @@
 </file>
 
 <file path=ppt/slideLayouts/slideLayout1.xml><?xml version="1.0" encoding="utf-8"?>
-<p:sldLayout xmlns:a="http://schemas.openxmlformats.org/drawingml/2006/main" xmlns:r="http://schemas.openxmlformats.org/officeDocument/2006/relationships" xmlns:p="http://schemas.openxmlformats.org/presentationml/2006/main" type="title" matchingName="Title slide">
+<p:sldLayout xmlns:a="http://schemas.openxmlformats.org/drawingml/2006/main" xmlns:r="http://schemas.openxmlformats.org/officeDocument/2006/relationships" xmlns:p="http://schemas.openxmlformats.org/presentationml/2006/main" matchingName="Title slide" type="title">
   <p:cSld name="TITLE">
     <p:bg>
       <p:bgPr>
@@ -2847,7 +2857,9 @@
               </a:defRPr>
             </a:lvl9pPr>
           </a:lstStyle>
-          <a:p/>
+          <a:p>
+            <a:endParaRPr/>
+          </a:p>
         </p:txBody>
       </p:sp>
       <p:sp>
@@ -3064,7 +3076,9 @@
               </a:defRPr>
             </a:lvl9pPr>
           </a:lstStyle>
-          <a:p/>
+          <a:p>
+            <a:endParaRPr/>
+          </a:p>
         </p:txBody>
       </p:sp>
       <p:sp>
@@ -3176,6 +3190,7 @@
             </a:pPr>
             <a:fld id="{00000000-1234-1234-1234-123412341234}" type="slidenum">
               <a:rPr lang="en-US"/>
+              <a:t>‹#›</a:t>
             </a:fld>
             <a:endParaRPr lang="en-US"/>
           </a:p>
@@ -3621,7 +3636,9 @@
               <a:defRPr/>
             </a:lvl9pPr>
           </a:lstStyle>
-          <a:p/>
+          <a:p>
+            <a:endParaRPr/>
+          </a:p>
         </p:txBody>
       </p:sp>
       <p:sp>
@@ -3697,6 +3714,7 @@
             </a:pPr>
             <a:fld id="{00000000-1234-1234-1234-123412341234}" type="slidenum">
               <a:rPr lang="en-US"/>
+              <a:t>‹#›</a:t>
             </a:fld>
             <a:endParaRPr lang="en-US"/>
           </a:p>
@@ -3711,7 +3729,7 @@
 </file>
 
 <file path=ppt/slideLayouts/slideLayout11.xml><?xml version="1.0" encoding="utf-8"?>
-<p:sldLayout xmlns:a="http://schemas.openxmlformats.org/drawingml/2006/main" xmlns:r="http://schemas.openxmlformats.org/officeDocument/2006/relationships" xmlns:p="http://schemas.openxmlformats.org/presentationml/2006/main" type="blank" matchingName="Blank">
+<p:sldLayout xmlns:a="http://schemas.openxmlformats.org/drawingml/2006/main" xmlns:r="http://schemas.openxmlformats.org/officeDocument/2006/relationships" xmlns:p="http://schemas.openxmlformats.org/presentationml/2006/main" matchingName="Blank" type="blank">
   <p:cSld name="BLANK">
     <p:spTree>
       <p:nvGrpSpPr>
@@ -3800,6 +3818,7 @@
             </a:pPr>
             <a:fld id="{00000000-1234-1234-1234-123412341234}" type="slidenum">
               <a:rPr lang="en-US"/>
+              <a:t>‹#›</a:t>
             </a:fld>
             <a:endParaRPr lang="en-US"/>
           </a:p>
@@ -3814,7 +3833,7 @@
 </file>
 
 <file path=ppt/slideLayouts/slideLayout2.xml><?xml version="1.0" encoding="utf-8"?>
-<p:sldLayout xmlns:a="http://schemas.openxmlformats.org/drawingml/2006/main" xmlns:r="http://schemas.openxmlformats.org/officeDocument/2006/relationships" xmlns:p="http://schemas.openxmlformats.org/presentationml/2006/main" type="secHead" matchingName="Section header">
+<p:sldLayout xmlns:a="http://schemas.openxmlformats.org/drawingml/2006/main" xmlns:r="http://schemas.openxmlformats.org/officeDocument/2006/relationships" xmlns:p="http://schemas.openxmlformats.org/presentationml/2006/main" matchingName="Section header" type="secHead">
   <p:cSld name="SECTION_HEADER">
     <p:bg>
       <p:bgPr>
@@ -4077,7 +4096,9 @@
               </a:defRPr>
             </a:lvl9pPr>
           </a:lstStyle>
-          <a:p/>
+          <a:p>
+            <a:endParaRPr/>
+          </a:p>
         </p:txBody>
       </p:sp>
       <p:sp>
@@ -4189,6 +4210,7 @@
             </a:pPr>
             <a:fld id="{00000000-1234-1234-1234-123412341234}" type="slidenum">
               <a:rPr lang="en-US"/>
+              <a:t>‹#›</a:t>
             </a:fld>
             <a:endParaRPr lang="en-US"/>
           </a:p>
@@ -4203,7 +4225,7 @@
 </file>
 
 <file path=ppt/slideLayouts/slideLayout3.xml><?xml version="1.0" encoding="utf-8"?>
-<p:sldLayout xmlns:a="http://schemas.openxmlformats.org/drawingml/2006/main" xmlns:r="http://schemas.openxmlformats.org/officeDocument/2006/relationships" xmlns:p="http://schemas.openxmlformats.org/presentationml/2006/main" type="tx" matchingName="Title and body">
+<p:sldLayout xmlns:a="http://schemas.openxmlformats.org/drawingml/2006/main" xmlns:r="http://schemas.openxmlformats.org/officeDocument/2006/relationships" xmlns:p="http://schemas.openxmlformats.org/presentationml/2006/main" matchingName="Title and body" type="tx">
   <p:cSld name="TITLE_AND_BODY">
     <p:spTree>
       <p:nvGrpSpPr>
@@ -4421,7 +4443,9 @@
               <a:defRPr/>
             </a:lvl9pPr>
           </a:lstStyle>
-          <a:p/>
+          <a:p>
+            <a:endParaRPr/>
+          </a:p>
         </p:txBody>
       </p:sp>
       <p:sp>
@@ -4548,7 +4572,9 @@
               <a:defRPr/>
             </a:lvl9pPr>
           </a:lstStyle>
-          <a:p/>
+          <a:p>
+            <a:endParaRPr/>
+          </a:p>
         </p:txBody>
       </p:sp>
       <p:sp>
@@ -4624,6 +4650,7 @@
             </a:pPr>
             <a:fld id="{00000000-1234-1234-1234-123412341234}" type="slidenum">
               <a:rPr lang="en-US"/>
+              <a:t>‹#›</a:t>
             </a:fld>
             <a:endParaRPr lang="en-US"/>
           </a:p>
@@ -4638,7 +4665,7 @@
 </file>
 
 <file path=ppt/slideLayouts/slideLayout4.xml><?xml version="1.0" encoding="utf-8"?>
-<p:sldLayout xmlns:a="http://schemas.openxmlformats.org/drawingml/2006/main" xmlns:r="http://schemas.openxmlformats.org/officeDocument/2006/relationships" xmlns:p="http://schemas.openxmlformats.org/presentationml/2006/main" type="twoColTx" matchingName="Title and two columns">
+<p:sldLayout xmlns:a="http://schemas.openxmlformats.org/drawingml/2006/main" xmlns:r="http://schemas.openxmlformats.org/officeDocument/2006/relationships" xmlns:p="http://schemas.openxmlformats.org/presentationml/2006/main" matchingName="Title and two columns" type="twoColTx">
   <p:cSld name="TITLE_AND_TWO_COLUMNS">
     <p:spTree>
       <p:nvGrpSpPr>
@@ -4856,7 +4883,9 @@
               <a:defRPr/>
             </a:lvl9pPr>
           </a:lstStyle>
-          <a:p/>
+          <a:p>
+            <a:endParaRPr/>
+          </a:p>
         </p:txBody>
       </p:sp>
       <p:sp>
@@ -4983,7 +5012,9 @@
               <a:defRPr sz="1200"/>
             </a:lvl9pPr>
           </a:lstStyle>
-          <a:p/>
+          <a:p>
+            <a:endParaRPr/>
+          </a:p>
         </p:txBody>
       </p:sp>
       <p:sp>
@@ -5110,7 +5141,9 @@
               <a:defRPr sz="1200"/>
             </a:lvl9pPr>
           </a:lstStyle>
-          <a:p/>
+          <a:p>
+            <a:endParaRPr/>
+          </a:p>
         </p:txBody>
       </p:sp>
       <p:sp>
@@ -5186,6 +5219,7 @@
             </a:pPr>
             <a:fld id="{00000000-1234-1234-1234-123412341234}" type="slidenum">
               <a:rPr lang="en-US"/>
+              <a:t>‹#›</a:t>
             </a:fld>
             <a:endParaRPr lang="en-US"/>
           </a:p>
@@ -5200,7 +5234,7 @@
 </file>
 
 <file path=ppt/slideLayouts/slideLayout5.xml><?xml version="1.0" encoding="utf-8"?>
-<p:sldLayout xmlns:a="http://schemas.openxmlformats.org/drawingml/2006/main" xmlns:r="http://schemas.openxmlformats.org/officeDocument/2006/relationships" xmlns:p="http://schemas.openxmlformats.org/presentationml/2006/main" type="titleOnly" matchingName="Title only">
+<p:sldLayout xmlns:a="http://schemas.openxmlformats.org/drawingml/2006/main" xmlns:r="http://schemas.openxmlformats.org/officeDocument/2006/relationships" xmlns:p="http://schemas.openxmlformats.org/presentationml/2006/main" matchingName="Title only" type="titleOnly">
   <p:cSld name="TITLE_ONLY">
     <p:spTree>
       <p:nvGrpSpPr>
@@ -5340,7 +5374,9 @@
               <a:defRPr/>
             </a:lvl9pPr>
           </a:lstStyle>
-          <a:p/>
+          <a:p>
+            <a:endParaRPr/>
+          </a:p>
         </p:txBody>
       </p:sp>
       <p:sp>
@@ -5416,6 +5452,7 @@
             </a:pPr>
             <a:fld id="{00000000-1234-1234-1234-123412341234}" type="slidenum">
               <a:rPr lang="en-US"/>
+              <a:t>‹#›</a:t>
             </a:fld>
             <a:endParaRPr lang="en-US"/>
           </a:p>
@@ -5596,7 +5633,9 @@
               <a:defRPr sz="2400"/>
             </a:lvl9pPr>
           </a:lstStyle>
-          <a:p/>
+          <a:p>
+            <a:endParaRPr/>
+          </a:p>
         </p:txBody>
       </p:sp>
       <p:sp>
@@ -5723,7 +5762,9 @@
               <a:defRPr sz="1200"/>
             </a:lvl9pPr>
           </a:lstStyle>
-          <a:p/>
+          <a:p>
+            <a:endParaRPr/>
+          </a:p>
         </p:txBody>
       </p:sp>
       <p:sp>
@@ -5799,6 +5840,7 @@
             </a:pPr>
             <a:fld id="{00000000-1234-1234-1234-123412341234}" type="slidenum">
               <a:rPr lang="en-US"/>
+              <a:t>‹#›</a:t>
             </a:fld>
             <a:endParaRPr lang="en-US"/>
           </a:p>
@@ -6050,7 +6092,9 @@
               </a:defRPr>
             </a:lvl9pPr>
           </a:lstStyle>
-          <a:p/>
+          <a:p>
+            <a:endParaRPr/>
+          </a:p>
         </p:txBody>
       </p:sp>
       <p:sp>
@@ -6162,6 +6206,7 @@
             </a:pPr>
             <a:fld id="{00000000-1234-1234-1234-123412341234}" type="slidenum">
               <a:rPr lang="en-US"/>
+              <a:t>‹#›</a:t>
             </a:fld>
             <a:endParaRPr lang="en-US"/>
           </a:p>
@@ -6228,6 +6273,7 @@
               </a:spcAft>
               <a:buNone/>
             </a:pPr>
+            <a:endParaRPr/>
           </a:p>
         </p:txBody>
       </p:sp>
@@ -6444,7 +6490,9 @@
               </a:defRPr>
             </a:lvl9pPr>
           </a:lstStyle>
-          <a:p/>
+          <a:p>
+            <a:endParaRPr/>
+          </a:p>
         </p:txBody>
       </p:sp>
       <p:sp>
@@ -6598,7 +6646,9 @@
               <a:defRPr sz="2100"/>
             </a:lvl9pPr>
           </a:lstStyle>
-          <a:p/>
+          <a:p>
+            <a:endParaRPr/>
+          </a:p>
         </p:txBody>
       </p:sp>
       <p:sp>
@@ -6788,7 +6838,9 @@
               </a:defRPr>
             </a:lvl9pPr>
           </a:lstStyle>
-          <a:p/>
+          <a:p>
+            <a:endParaRPr/>
+          </a:p>
         </p:txBody>
       </p:sp>
       <p:sp>
@@ -6900,6 +6952,7 @@
             </a:pPr>
             <a:fld id="{00000000-1234-1234-1234-123412341234}" type="slidenum">
               <a:rPr lang="en-US"/>
+              <a:t>‹#›</a:t>
             </a:fld>
             <a:endParaRPr lang="en-US"/>
           </a:p>
@@ -7021,7 +7074,9 @@
               <a:defRPr/>
             </a:lvl1pPr>
           </a:lstStyle>
-          <a:p/>
+          <a:p>
+            <a:endParaRPr/>
+          </a:p>
         </p:txBody>
       </p:sp>
       <p:sp>
@@ -7097,6 +7152,7 @@
             </a:pPr>
             <a:fld id="{00000000-1234-1234-1234-123412341234}" type="slidenum">
               <a:rPr lang="en-US"/>
+              <a:t>‹#›</a:t>
             </a:fld>
             <a:endParaRPr lang="en-US"/>
           </a:p>
@@ -7371,7 +7427,9 @@
               </a:defRPr>
             </a:lvl9pPr>
           </a:lstStyle>
-          <a:p/>
+          <a:p>
+            <a:endParaRPr/>
+          </a:p>
         </p:txBody>
       </p:sp>
       <p:sp>
@@ -7637,7 +7695,9 @@
               </a:defRPr>
             </a:lvl9pPr>
           </a:lstStyle>
-          <a:p/>
+          <a:p>
+            <a:endParaRPr/>
+          </a:p>
         </p:txBody>
       </p:sp>
       <p:sp>
@@ -7789,6 +7849,7 @@
             </a:pPr>
             <a:fld id="{00000000-1234-1234-1234-123412341234}" type="slidenum">
               <a:rPr lang="en-US"/>
+              <a:t>‹#›</a:t>
             </a:fld>
             <a:endParaRPr lang="en-US"/>
           </a:p>
@@ -8549,7 +8610,7 @@
         </p:spPr>
         <p:txBody>
           <a:bodyPr spcFirstLastPara="1" wrap="square" lIns="91425" tIns="91425" rIns="91425" bIns="91425" anchor="t" anchorCtr="0">
-            <a:normAutofit fontScale="90000"/>
+            <a:normAutofit/>
           </a:bodyPr>
           <a:lstStyle/>
           <a:p>
@@ -8563,10 +8624,26 @@
               <a:buNone/>
             </a:pPr>
             <a:r>
-              <a:rPr lang="en-US" sz="4000"/>
-              <a:t>Relational Database Pacmann - Second Change untuk Mobilmu</a:t>
-            </a:r>
-            <a:endParaRPr lang="en-US" sz="4000"/>
+              <a:rPr lang="en-US" sz="4000" dirty="0"/>
+              <a:t>Relational Database </a:t>
+            </a:r>
+            <a:r>
+              <a:rPr lang="en-US" sz="4000" dirty="0" err="1"/>
+              <a:t>Pacmann</a:t>
+            </a:r>
+            <a:r>
+              <a:rPr lang="en-US" sz="4000" dirty="0"/>
+              <a:t> </a:t>
+            </a:r>
+            <a:r>
+              <a:rPr lang="en-US" sz="4000" dirty="0" smtClean="0"/>
+              <a:t>– Mobil </a:t>
+            </a:r>
+            <a:r>
+              <a:rPr lang="en-US" sz="4000" dirty="0" err="1" smtClean="0"/>
+              <a:t>Bekas</a:t>
+            </a:r>
+            <a:endParaRPr lang="en-US" dirty="0"/>
           </a:p>
           <a:p>
             <a:pPr marL="0" lvl="0" indent="0" algn="l" rtl="0">
@@ -8576,26 +8653,9 @@
               <a:spcAft>
                 <a:spcPts val="0"/>
               </a:spcAft>
-              <a:buClr>
-                <a:schemeClr val="dk2"/>
-              </a:buClr>
-              <a:buSzPts val="990"/>
-              <a:buFont typeface="Arial" panose="020B0604020202020204"/>
               <a:buNone/>
             </a:pPr>
-            <a:endParaRPr lang="en-US"/>
-          </a:p>
-          <a:p>
-            <a:pPr marL="0" lvl="0" indent="0" algn="l" rtl="0">
-              <a:spcBef>
-                <a:spcPts val="0"/>
-              </a:spcBef>
-              <a:spcAft>
-                <a:spcPts val="0"/>
-              </a:spcAft>
-              <a:buNone/>
-            </a:pPr>
-            <a:endParaRPr lang="en-US"/>
+            <a:endParaRPr lang="en-US" dirty="0"/>
           </a:p>
         </p:txBody>
       </p:sp>
@@ -8642,13 +8702,8 @@
             </a:br>
             <a:r>
               <a:rPr lang="en-US"/>
-              <a:t>Sept</a:t>
-            </a:r>
-            <a:r>
-              <a:rPr lang="en-US"/>
-              <a:t>  2023</a:t>
-            </a:r>
-            <a:endParaRPr lang="en-US"/>
+              <a:t>Sept  2023</a:t>
+            </a:r>
           </a:p>
         </p:txBody>
       </p:sp>
@@ -8688,6 +8743,7 @@
             </a:pPr>
             <a:fld id="{00000000-1234-1234-1234-123412341234}" type="slidenum">
               <a:rPr lang="en-US"/>
+              <a:t>1</a:t>
             </a:fld>
             <a:endParaRPr lang="en-US"/>
           </a:p>
@@ -8763,7 +8819,6 @@
               <a:rPr lang="en-US"/>
               <a:t>Analytical Query 2</a:t>
             </a:r>
-            <a:endParaRPr lang="en-US"/>
           </a:p>
         </p:txBody>
       </p:sp>
@@ -8803,6 +8858,7 @@
             </a:pPr>
             <a:fld id="{00000000-1234-1234-1234-123412341234}" type="slidenum">
               <a:rPr lang="en-US"/>
+              <a:t>10</a:t>
             </a:fld>
             <a:endParaRPr lang="en-US"/>
           </a:p>
@@ -8828,75 +8884,66 @@
           <a:bodyPr wrap="square" rtlCol="0" anchor="t">
             <a:spAutoFit/>
           </a:bodyPr>
+          <a:lstStyle/>
           <a:p>
             <a:r>
               <a:rPr lang="en-US" sz="1000"/>
               <a:t>WITH avg_per_city as</a:t>
             </a:r>
-            <a:endParaRPr lang="en-US" sz="1000"/>
           </a:p>
           <a:p>
             <a:r>
               <a:rPr lang="en-US" sz="1000"/>
               <a:t>	(</a:t>
             </a:r>
-            <a:endParaRPr lang="en-US" sz="1000"/>
           </a:p>
           <a:p>
             <a:r>
               <a:rPr lang="en-US" sz="1000"/>
               <a:t>		SELECT cities.city_id</a:t>
             </a:r>
-            <a:endParaRPr lang="en-US" sz="1000"/>
           </a:p>
           <a:p>
             <a:r>
               <a:rPr lang="en-US" sz="1000"/>
               <a:t>			, AVG(cars.price) AS avg_price</a:t>
             </a:r>
-            <a:endParaRPr lang="en-US" sz="1000"/>
           </a:p>
           <a:p>
             <a:r>
               <a:rPr lang="en-US" sz="1000"/>
               <a:t>		FROM users </a:t>
             </a:r>
-            <a:endParaRPr lang="en-US" sz="1000"/>
           </a:p>
           <a:p>
             <a:r>
               <a:rPr lang="en-US" sz="1000"/>
               <a:t>			JOIN advertisement adv USING (user_id)</a:t>
             </a:r>
-            <a:endParaRPr lang="en-US" sz="1000"/>
           </a:p>
           <a:p>
             <a:r>
               <a:rPr lang="en-US" sz="1000"/>
               <a:t>			JOIN cities USING (city_id)</a:t>
             </a:r>
-            <a:endParaRPr lang="en-US" sz="1000"/>
           </a:p>
           <a:p>
             <a:r>
               <a:rPr lang="en-US" sz="1000"/>
               <a:t>			JOIN cars ON adv.car_id = cars.car_id</a:t>
             </a:r>
-            <a:endParaRPr lang="en-US" sz="1000"/>
           </a:p>
           <a:p>
             <a:r>
               <a:rPr lang="en-US" sz="1000"/>
               <a:t>		GROUP BY cities.city_id</a:t>
             </a:r>
-            <a:endParaRPr lang="en-US" sz="1000"/>
           </a:p>
           <a:p>
             <a:r>
               <a:rPr lang="en-US" sz="1000"/>
               <a:t>	)</a:t>
             </a:r>
-            <a:endParaRPr lang="en-US" sz="1000"/>
           </a:p>
           <a:p>
             <a:endParaRPr lang="en-US" sz="1000"/>
@@ -8906,77 +8953,66 @@
               <a:rPr lang="en-US" sz="1000"/>
               <a:t>SELECT cities.city_name</a:t>
             </a:r>
-            <a:endParaRPr lang="en-US" sz="1000"/>
           </a:p>
           <a:p>
             <a:r>
               <a:rPr lang="en-US" sz="1000"/>
               <a:t>	, cars.brand</a:t>
             </a:r>
-            <a:endParaRPr lang="en-US" sz="1000"/>
           </a:p>
           <a:p>
             <a:r>
               <a:rPr lang="en-US" sz="1000"/>
               <a:t>	, cars.model</a:t>
             </a:r>
-            <a:endParaRPr lang="en-US" sz="1000"/>
           </a:p>
           <a:p>
             <a:r>
               <a:rPr lang="en-US" sz="1000"/>
               <a:t>	, cars.year</a:t>
             </a:r>
-            <a:endParaRPr lang="en-US" sz="1000"/>
           </a:p>
           <a:p>
             <a:r>
               <a:rPr lang="en-US" sz="1000"/>
               <a:t>	, cars.price</a:t>
             </a:r>
-            <a:endParaRPr lang="en-US" sz="1000"/>
           </a:p>
           <a:p>
             <a:r>
               <a:rPr lang="en-US" sz="1000"/>
               <a:t>	, apc.avg_price</a:t>
             </a:r>
-            <a:endParaRPr lang="en-US" sz="1000"/>
           </a:p>
           <a:p>
             <a:r>
               <a:rPr lang="en-US" sz="1000"/>
               <a:t>FROM users </a:t>
             </a:r>
-            <a:endParaRPr lang="en-US" sz="1000"/>
           </a:p>
           <a:p>
             <a:r>
               <a:rPr lang="en-US" sz="1000"/>
               <a:t>JOIN advertisement adv USING (user_id)</a:t>
             </a:r>
-            <a:endParaRPr lang="en-US" sz="1000"/>
           </a:p>
           <a:p>
             <a:r>
               <a:rPr lang="en-US" sz="1000"/>
               <a:t>JOIN cities USING (city_id)</a:t>
             </a:r>
-            <a:endParaRPr lang="en-US" sz="1000"/>
           </a:p>
           <a:p>
             <a:r>
               <a:rPr lang="en-US" sz="1000"/>
               <a:t>JOIN cars ON adv.car_id = cars.car_id</a:t>
             </a:r>
-            <a:endParaRPr lang="en-US" sz="1000"/>
           </a:p>
           <a:p>
             <a:r>
               <a:rPr lang="en-US" sz="1000"/>
               <a:t>JOIN avg_per_city apc USING (city_id)</a:t>
             </a:r>
-            <a:endParaRPr lang="en-US" sz="1000"/>
           </a:p>
         </p:txBody>
       </p:sp>
@@ -9050,7 +9086,6 @@
               <a:rPr lang="en-US"/>
               <a:t>Analytical Query 3</a:t>
             </a:r>
-            <a:endParaRPr lang="en-US"/>
           </a:p>
         </p:txBody>
       </p:sp>
@@ -9090,6 +9125,7 @@
             </a:pPr>
             <a:fld id="{00000000-1234-1234-1234-123412341234}" type="slidenum">
               <a:rPr lang="en-US"/>
+              <a:t>11</a:t>
             </a:fld>
             <a:endParaRPr lang="en-US"/>
           </a:p>
@@ -9104,7 +9140,7 @@
         <p:spPr>
           <a:xfrm>
             <a:off x="269240" y="1059815"/>
-            <a:ext cx="6605270" cy="3476625"/>
+            <a:ext cx="6605270" cy="3323987"/>
           </a:xfrm>
           <a:prstGeom prst="rect">
             <a:avLst/>
@@ -9115,148 +9151,302 @@
           <a:bodyPr wrap="square" rtlCol="0" anchor="t">
             <a:spAutoFit/>
           </a:bodyPr>
-          <a:p>
-            <a:r>
-              <a:rPr lang="en-US" sz="1000"/>
-              <a:t>CREATE OR REPLACE VIEW cars_bids AS</a:t>
-            </a:r>
-            <a:endParaRPr lang="en-US" sz="1000"/>
-          </a:p>
-          <a:p>
-            <a:r>
-              <a:rPr lang="en-US" sz="1000"/>
+          <a:lstStyle/>
+          <a:p>
+            <a:r>
+              <a:rPr lang="en-US" sz="1000" dirty="0"/>
+              <a:t>CREATE OR REPLACE VIEW </a:t>
+            </a:r>
+            <a:r>
+              <a:rPr lang="en-US" sz="1000" dirty="0" err="1"/>
+              <a:t>cars_bids</a:t>
+            </a:r>
+            <a:r>
+              <a:rPr lang="en-US" sz="1000" dirty="0"/>
+              <a:t> AS</a:t>
+            </a:r>
+          </a:p>
+          <a:p>
+            <a:r>
+              <a:rPr lang="en-US" sz="1000" dirty="0"/>
               <a:t>SELECT</a:t>
             </a:r>
-            <a:endParaRPr lang="en-US" sz="1000"/>
-          </a:p>
-          <a:p>
-            <a:r>
-              <a:rPr lang="en-US" sz="1000"/>
-              <a:t>	cars.model</a:t>
-            </a:r>
-            <a:endParaRPr lang="en-US" sz="1000"/>
-          </a:p>
-          <a:p>
-            <a:r>
-              <a:rPr lang="en-US" sz="1000"/>
-              <a:t>	, bids.bidder_id</a:t>
-            </a:r>
-            <a:endParaRPr lang="en-US" sz="1000"/>
-          </a:p>
-          <a:p>
-            <a:r>
-              <a:rPr lang="en-US" sz="1000"/>
-              <a:t>	, bids.bid_date</a:t>
-            </a:r>
-            <a:endParaRPr lang="en-US" sz="1000"/>
-          </a:p>
-          <a:p>
-            <a:r>
-              <a:rPr lang="en-US" sz="1000"/>
-              <a:t>	, bid_price</a:t>
-            </a:r>
-            <a:endParaRPr lang="en-US" sz="1000"/>
-          </a:p>
-          <a:p>
-            <a:r>
-              <a:rPr lang="en-US" sz="1000"/>
+          </a:p>
+          <a:p>
+            <a:r>
+              <a:rPr lang="en-US" sz="1000" dirty="0"/>
+              <a:t>	</a:t>
+            </a:r>
+            <a:r>
+              <a:rPr lang="en-US" sz="1000" dirty="0" err="1"/>
+              <a:t>cars.model</a:t>
+            </a:r>
+            <a:endParaRPr lang="en-US" sz="1000" dirty="0"/>
+          </a:p>
+          <a:p>
+            <a:r>
+              <a:rPr lang="en-US" sz="1000" dirty="0"/>
+              <a:t>	, </a:t>
+            </a:r>
+            <a:r>
+              <a:rPr lang="en-US" sz="1000" dirty="0" err="1"/>
+              <a:t>bids.bidder_id</a:t>
+            </a:r>
+            <a:endParaRPr lang="en-US" sz="1000" dirty="0"/>
+          </a:p>
+          <a:p>
+            <a:r>
+              <a:rPr lang="en-US" sz="1000" dirty="0"/>
+              <a:t>	, </a:t>
+            </a:r>
+            <a:r>
+              <a:rPr lang="en-US" sz="1000" dirty="0" err="1"/>
+              <a:t>bids.bid_date</a:t>
+            </a:r>
+            <a:endParaRPr lang="en-US" sz="1000" dirty="0"/>
+          </a:p>
+          <a:p>
+            <a:r>
+              <a:rPr lang="en-US" sz="1000" dirty="0"/>
+              <a:t>	, </a:t>
+            </a:r>
+            <a:r>
+              <a:rPr lang="en-US" sz="1000" dirty="0" err="1"/>
+              <a:t>bid_price</a:t>
+            </a:r>
+            <a:endParaRPr lang="en-US" sz="1000" dirty="0"/>
+          </a:p>
+          <a:p>
+            <a:r>
+              <a:rPr lang="en-US" sz="1000" dirty="0"/>
               <a:t>FROM cars</a:t>
             </a:r>
-            <a:endParaRPr lang="en-US" sz="1000"/>
-          </a:p>
-          <a:p>
-            <a:r>
-              <a:rPr lang="en-US" sz="1000"/>
-              <a:t>	JOIN advertisement adv USING (car_id)</a:t>
-            </a:r>
-            <a:endParaRPr lang="en-US" sz="1000"/>
-          </a:p>
-          <a:p>
-            <a:r>
-              <a:rPr lang="en-US" sz="1000"/>
-              <a:t>	JOIN bids ON adv.adv_id = bids.adv_id</a:t>
-            </a:r>
-            <a:endParaRPr lang="en-US" sz="1000"/>
-          </a:p>
-          <a:p>
-            <a:r>
-              <a:rPr lang="en-US" sz="1000"/>
-              <a:t>WHERE cars.model LIKE 'Toyota Yaris' </a:t>
-            </a:r>
-            <a:endParaRPr lang="en-US" sz="1000"/>
-          </a:p>
-          <a:p>
-            <a:r>
-              <a:rPr lang="en-US" sz="1000"/>
-              <a:t>ORDER BY user_id</a:t>
-            </a:r>
-            <a:endParaRPr lang="en-US" sz="1000"/>
-          </a:p>
-          <a:p>
-            <a:r>
-              <a:rPr lang="en-US" sz="1000"/>
-              <a:t>	, bid_date ASC;</a:t>
-            </a:r>
-            <a:endParaRPr lang="en-US" sz="1000"/>
-          </a:p>
-          <a:p>
-            <a:endParaRPr lang="en-US" sz="1000"/>
-          </a:p>
-          <a:p>
-            <a:r>
-              <a:rPr lang="en-US" sz="1000"/>
+          </a:p>
+          <a:p>
+            <a:r>
+              <a:rPr lang="en-US" sz="1000" dirty="0"/>
+              <a:t>	JOIN advertisement </a:t>
+            </a:r>
+            <a:r>
+              <a:rPr lang="en-US" sz="1000" dirty="0" err="1"/>
+              <a:t>adv</a:t>
+            </a:r>
+            <a:r>
+              <a:rPr lang="en-US" sz="1000" dirty="0"/>
+              <a:t> USING (</a:t>
+            </a:r>
+            <a:r>
+              <a:rPr lang="en-US" sz="1000" dirty="0" err="1"/>
+              <a:t>car_id</a:t>
+            </a:r>
+            <a:r>
+              <a:rPr lang="en-US" sz="1000" dirty="0"/>
+              <a:t>)</a:t>
+            </a:r>
+          </a:p>
+          <a:p>
+            <a:r>
+              <a:rPr lang="en-US" sz="1000" dirty="0"/>
+              <a:t>	JOIN bids ON </a:t>
+            </a:r>
+            <a:r>
+              <a:rPr lang="en-US" sz="1000" dirty="0" err="1"/>
+              <a:t>adv.adv_id</a:t>
+            </a:r>
+            <a:r>
+              <a:rPr lang="en-US" sz="1000" dirty="0"/>
+              <a:t> = </a:t>
+            </a:r>
+            <a:r>
+              <a:rPr lang="en-US" sz="1000" dirty="0" err="1"/>
+              <a:t>bids.adv_id</a:t>
+            </a:r>
+            <a:endParaRPr lang="en-US" sz="1000" dirty="0"/>
+          </a:p>
+          <a:p>
+            <a:r>
+              <a:rPr lang="en-US" sz="1000" dirty="0"/>
+              <a:t>WHERE </a:t>
+            </a:r>
+            <a:r>
+              <a:rPr lang="en-US" sz="1000" dirty="0" err="1"/>
+              <a:t>cars.model</a:t>
+            </a:r>
+            <a:r>
+              <a:rPr lang="en-US" sz="1000" dirty="0"/>
+              <a:t> LIKE 'Toyota Yaris' </a:t>
+            </a:r>
+          </a:p>
+          <a:p>
+            <a:r>
+              <a:rPr lang="en-US" sz="1000" dirty="0"/>
+              <a:t>ORDER BY </a:t>
+            </a:r>
+            <a:r>
+              <a:rPr lang="en-US" sz="1000" dirty="0" err="1"/>
+              <a:t>user_id</a:t>
+            </a:r>
+            <a:endParaRPr lang="en-US" sz="1000" dirty="0"/>
+          </a:p>
+          <a:p>
+            <a:r>
+              <a:rPr lang="en-US" sz="1000" dirty="0"/>
+              <a:t>	, </a:t>
+            </a:r>
+            <a:r>
+              <a:rPr lang="en-US" sz="1000" dirty="0" err="1"/>
+              <a:t>bid_date</a:t>
+            </a:r>
+            <a:r>
+              <a:rPr lang="en-US" sz="1000" dirty="0"/>
+              <a:t> ASC;</a:t>
+            </a:r>
+          </a:p>
+          <a:p>
+            <a:endParaRPr lang="en-US" sz="1000" dirty="0"/>
+          </a:p>
+          <a:p>
+            <a:r>
+              <a:rPr lang="en-US" sz="1000" dirty="0"/>
               <a:t>SELECT model</a:t>
             </a:r>
-            <a:endParaRPr lang="en-US" sz="1000"/>
-          </a:p>
-          <a:p>
-            <a:r>
-              <a:rPr lang="en-US" sz="1000"/>
-              <a:t>	, bidder_id</a:t>
-            </a:r>
-            <a:endParaRPr lang="en-US" sz="1000"/>
-          </a:p>
-          <a:p>
-            <a:r>
-              <a:rPr lang="en-US" sz="1000"/>
-              <a:t>	, bid_date</a:t>
-            </a:r>
-            <a:endParaRPr lang="en-US" sz="1000"/>
-          </a:p>
-          <a:p>
-            <a:r>
-              <a:rPr lang="en-US" sz="1000"/>
-              <a:t>	, bid_price</a:t>
-            </a:r>
-            <a:endParaRPr lang="en-US" sz="1000"/>
-          </a:p>
-          <a:p>
-            <a:r>
-              <a:rPr lang="en-US" sz="1000"/>
-              <a:t>	, LEAD(bid_date) OVER (PARTITION BY bidder_id ORDER BY bid_date) as next_bid_date</a:t>
-            </a:r>
-            <a:endParaRPr lang="en-US" sz="1000"/>
-          </a:p>
-          <a:p>
-            <a:r>
-              <a:rPr lang="en-US" sz="1000"/>
-              <a:t>	, LEAD(bid_price_idr) OVER (PARTITION BY bidder_id ORDER BY bid_date) as next_bid_price_idr</a:t>
-            </a:r>
-            <a:endParaRPr lang="en-US" sz="1000"/>
-          </a:p>
-          <a:p>
-            <a:r>
-              <a:rPr lang="en-US" sz="1000"/>
-              <a:t>FROM yaris_bids</a:t>
-            </a:r>
-            <a:endParaRPr lang="en-US" sz="1000"/>
-          </a:p>
-          <a:p>
-            <a:r>
-              <a:rPr lang="en-US" sz="1000"/>
-              <a:t>ORDER BY yaris_bids.user_id ASC, bid_date ASC;</a:t>
-            </a:r>
-            <a:endParaRPr lang="en-US" sz="1000"/>
+          </a:p>
+          <a:p>
+            <a:r>
+              <a:rPr lang="en-US" sz="1000" dirty="0"/>
+              <a:t>	, </a:t>
+            </a:r>
+            <a:r>
+              <a:rPr lang="en-US" sz="1000" dirty="0" err="1"/>
+              <a:t>bidder_id</a:t>
+            </a:r>
+            <a:endParaRPr lang="en-US" sz="1000" dirty="0"/>
+          </a:p>
+          <a:p>
+            <a:r>
+              <a:rPr lang="en-US" sz="1000" dirty="0"/>
+              <a:t>	, </a:t>
+            </a:r>
+            <a:r>
+              <a:rPr lang="en-US" sz="1000" dirty="0" err="1"/>
+              <a:t>bid_date</a:t>
+            </a:r>
+            <a:endParaRPr lang="en-US" sz="1000" dirty="0"/>
+          </a:p>
+          <a:p>
+            <a:r>
+              <a:rPr lang="en-US" sz="1000" dirty="0"/>
+              <a:t>	, </a:t>
+            </a:r>
+            <a:r>
+              <a:rPr lang="en-US" sz="1000" dirty="0" err="1"/>
+              <a:t>bid_price</a:t>
+            </a:r>
+            <a:endParaRPr lang="en-US" sz="1000" dirty="0"/>
+          </a:p>
+          <a:p>
+            <a:r>
+              <a:rPr lang="en-US" sz="1000" dirty="0"/>
+              <a:t>	, LEAD(</a:t>
+            </a:r>
+            <a:r>
+              <a:rPr lang="en-US" sz="1000" dirty="0" err="1"/>
+              <a:t>bid_date</a:t>
+            </a:r>
+            <a:r>
+              <a:rPr lang="en-US" sz="1000" dirty="0"/>
+              <a:t>) OVER (PARTITION BY </a:t>
+            </a:r>
+            <a:r>
+              <a:rPr lang="en-US" sz="1000" dirty="0" err="1"/>
+              <a:t>bidder_id</a:t>
+            </a:r>
+            <a:r>
+              <a:rPr lang="en-US" sz="1000" dirty="0"/>
+              <a:t> ORDER BY </a:t>
+            </a:r>
+            <a:r>
+              <a:rPr lang="en-US" sz="1000" dirty="0" err="1"/>
+              <a:t>bid_date</a:t>
+            </a:r>
+            <a:r>
+              <a:rPr lang="en-US" sz="1000" dirty="0"/>
+              <a:t>) as </a:t>
+            </a:r>
+            <a:r>
+              <a:rPr lang="en-US" sz="1000" dirty="0" err="1"/>
+              <a:t>next_bid_date</a:t>
+            </a:r>
+            <a:endParaRPr lang="en-US" sz="1000" dirty="0"/>
+          </a:p>
+          <a:p>
+            <a:r>
+              <a:rPr lang="en-US" sz="1000" dirty="0"/>
+              <a:t>	, LEAD(</a:t>
+            </a:r>
+            <a:r>
+              <a:rPr lang="en-US" sz="1000" dirty="0" err="1"/>
+              <a:t>bid_price</a:t>
+            </a:r>
+            <a:r>
+              <a:rPr lang="en-US" sz="1000" dirty="0"/>
+              <a:t>) OVER (PARTITION BY </a:t>
+            </a:r>
+            <a:r>
+              <a:rPr lang="en-US" sz="1000" dirty="0" err="1"/>
+              <a:t>bidder_id</a:t>
+            </a:r>
+            <a:r>
+              <a:rPr lang="en-US" sz="1000" dirty="0"/>
+              <a:t> ORDER BY </a:t>
+            </a:r>
+            <a:r>
+              <a:rPr lang="en-US" sz="1000" dirty="0" err="1"/>
+              <a:t>bid_date</a:t>
+            </a:r>
+            <a:r>
+              <a:rPr lang="en-US" sz="1000" dirty="0"/>
+              <a:t>) as </a:t>
+            </a:r>
+            <a:r>
+              <a:rPr lang="en-US" sz="1000" dirty="0" err="1"/>
+              <a:t>next_bid_price_idr</a:t>
+            </a:r>
+            <a:endParaRPr lang="en-US" sz="1000" dirty="0"/>
+          </a:p>
+          <a:p>
+            <a:r>
+              <a:rPr lang="en-US" sz="1000" dirty="0"/>
+              <a:t>FROM </a:t>
+            </a:r>
+            <a:r>
+              <a:rPr lang="en-US" sz="1000" dirty="0" err="1"/>
+              <a:t>yaris_bids</a:t>
+            </a:r>
+            <a:endParaRPr lang="en-US" sz="1000" dirty="0"/>
+          </a:p>
+          <a:p>
+            <a:r>
+              <a:rPr lang="en-US" sz="1000" dirty="0"/>
+              <a:t>ORDER BY </a:t>
+            </a:r>
+            <a:r>
+              <a:rPr lang="en-US" sz="1000" dirty="0" err="1"/>
+              <a:t>yaris_bids.user_id</a:t>
+            </a:r>
+            <a:r>
+              <a:rPr lang="en-US" sz="1000" dirty="0"/>
+              <a:t> ASC, </a:t>
+            </a:r>
+            <a:r>
+              <a:rPr lang="en-US" sz="1000" dirty="0" err="1"/>
+              <a:t>bid_date</a:t>
+            </a:r>
+            <a:r>
+              <a:rPr lang="en-US" sz="1000" dirty="0"/>
+              <a:t> ASC;</a:t>
+            </a:r>
+            <a:endParaRPr lang="en-US" sz="1000" dirty="0"/>
           </a:p>
         </p:txBody>
       </p:sp>
@@ -9330,7 +9520,6 @@
               <a:rPr lang="en-US"/>
               <a:t>Analytical Query 4</a:t>
             </a:r>
-            <a:endParaRPr lang="en-US"/>
           </a:p>
         </p:txBody>
       </p:sp>
@@ -9370,6 +9559,7 @@
             </a:pPr>
             <a:fld id="{00000000-1234-1234-1234-123412341234}" type="slidenum">
               <a:rPr lang="en-US"/>
+              <a:t>12</a:t>
             </a:fld>
             <a:endParaRPr lang="en-US"/>
           </a:p>
@@ -9395,155 +9585,285 @@
           <a:bodyPr wrap="square" rtlCol="0" anchor="t">
             <a:noAutofit/>
           </a:bodyPr>
-          <a:p>
+          <a:lstStyle/>
+          <a:p>
+            <a:r>
+              <a:rPr lang="en-US" sz="1000" dirty="0"/>
+              <a:t>WITH model_bid_int_6m AS</a:t>
+            </a:r>
+          </a:p>
+          <a:p>
+            <a:r>
+              <a:rPr lang="en-US" sz="1000" dirty="0"/>
+              <a:t>	(</a:t>
+            </a:r>
+          </a:p>
+          <a:p>
+            <a:r>
+              <a:rPr lang="en-US" sz="1000" dirty="0"/>
+              <a:t>		SELECT </a:t>
+            </a:r>
+            <a:r>
+              <a:rPr lang="en-US" sz="1000" dirty="0" err="1"/>
+              <a:t>cars.model</a:t>
+            </a:r>
+            <a:endParaRPr lang="en-US" sz="1000" dirty="0"/>
+          </a:p>
+          <a:p>
+            <a:r>
+              <a:rPr lang="en-US" sz="1000" dirty="0"/>
+              <a:t>			, </a:t>
+            </a:r>
+            <a:r>
+              <a:rPr lang="en-US" sz="1000" dirty="0" err="1"/>
+              <a:t>bids.bid_price</a:t>
+            </a:r>
+            <a:endParaRPr lang="en-US" sz="1000" dirty="0"/>
+          </a:p>
+          <a:p>
+            <a:r>
+              <a:rPr lang="en-US" sz="1000" dirty="0"/>
+              <a:t>			, </a:t>
+            </a:r>
+            <a:r>
+              <a:rPr lang="en-US" sz="1000" dirty="0" err="1"/>
+              <a:t>bids.bid_date</a:t>
+            </a:r>
+            <a:endParaRPr lang="en-US" sz="1000" dirty="0"/>
+          </a:p>
+          <a:p>
+            <a:r>
+              <a:rPr lang="en-US" sz="1000" dirty="0"/>
+              <a:t>		FROM bids</a:t>
+            </a:r>
+          </a:p>
+          <a:p>
+            <a:r>
+              <a:rPr lang="en-US" sz="1000" dirty="0"/>
+              <a:t>			LEFT JOIN advertisement USING (</a:t>
+            </a:r>
+            <a:r>
+              <a:rPr lang="en-US" sz="1000" dirty="0" err="1"/>
+              <a:t>adv_id</a:t>
+            </a:r>
+            <a:r>
+              <a:rPr lang="en-US" sz="1000" dirty="0"/>
+              <a:t>)</a:t>
+            </a:r>
+          </a:p>
+          <a:p>
+            <a:r>
+              <a:rPr lang="en-US" sz="1000" dirty="0"/>
+              <a:t>			LEFT JOIN cars USING (</a:t>
+            </a:r>
+            <a:r>
+              <a:rPr lang="en-US" sz="1000" dirty="0" err="1"/>
+              <a:t>car_id</a:t>
+            </a:r>
+            <a:r>
+              <a:rPr lang="en-US" sz="1000" dirty="0"/>
+              <a:t>)</a:t>
+            </a:r>
+          </a:p>
+          <a:p>
+            <a:r>
+              <a:rPr lang="en-US" sz="1000" dirty="0"/>
+              <a:t>		WHERE </a:t>
+            </a:r>
+            <a:r>
+              <a:rPr lang="en-US" sz="1000" dirty="0" err="1"/>
+              <a:t>bid_date</a:t>
+            </a:r>
+            <a:r>
+              <a:rPr lang="en-US" sz="1000" dirty="0"/>
+              <a:t> &gt;= NOW() - INTERVAL '6 months'</a:t>
+            </a:r>
+          </a:p>
+          <a:p>
+            <a:r>
+              <a:rPr lang="en-US" sz="1000" dirty="0"/>
+              <a:t>)</a:t>
+            </a:r>
+          </a:p>
+          <a:p>
+            <a:endParaRPr lang="en-US" sz="1000" dirty="0"/>
+          </a:p>
+          <a:p>
+            <a:r>
+              <a:rPr lang="en-US" sz="1000" dirty="0"/>
+              <a:t>SELECT </a:t>
+            </a:r>
+            <a:r>
+              <a:rPr lang="en-US" sz="1000" dirty="0" err="1"/>
+              <a:t>cars.model</a:t>
+            </a:r>
+            <a:endParaRPr lang="en-US" sz="1000" dirty="0"/>
+          </a:p>
+          <a:p>
+            <a:r>
+              <a:rPr lang="en-US" sz="1000" dirty="0"/>
+              <a:t>	, AVG(</a:t>
+            </a:r>
+            <a:r>
+              <a:rPr lang="en-US" sz="1000" dirty="0" err="1"/>
+              <a:t>bids.bid_price</a:t>
+            </a:r>
+            <a:r>
+              <a:rPr lang="en-US" sz="1000" dirty="0"/>
+              <a:t>) AS </a:t>
+            </a:r>
+            <a:r>
+              <a:rPr lang="en-US" sz="1000" dirty="0" err="1"/>
+              <a:t>avg_price</a:t>
+            </a:r>
+            <a:endParaRPr lang="en-US" sz="1000" dirty="0"/>
+          </a:p>
+          <a:p>
+            <a:r>
+              <a:rPr lang="en-US" sz="1000" dirty="0"/>
+              <a:t>	, AVG(</a:t>
+            </a:r>
+            <a:r>
+              <a:rPr lang="en-US" sz="1000" dirty="0" err="1"/>
+              <a:t>avg_bid.bid_price</a:t>
+            </a:r>
+            <a:r>
+              <a:rPr lang="en-US" sz="1000" dirty="0"/>
+              <a:t>) AS avg_bid_6month</a:t>
+            </a:r>
+          </a:p>
+          <a:p>
+            <a:r>
+              <a:rPr lang="en-US" sz="1000" dirty="0"/>
+              <a:t>	, AVG(</a:t>
+            </a:r>
+            <a:r>
+              <a:rPr lang="en-US" sz="1000" dirty="0" err="1"/>
+              <a:t>bids.bid_price</a:t>
+            </a:r>
+            <a:r>
+              <a:rPr lang="en-US" sz="1000" dirty="0"/>
+              <a:t>) - AVG(</a:t>
+            </a:r>
+            <a:r>
+              <a:rPr lang="en-US" sz="1000" dirty="0" err="1"/>
+              <a:t>avg_bid.bid_price</a:t>
+            </a:r>
+            <a:r>
+              <a:rPr lang="en-US" sz="1000" dirty="0"/>
+              <a:t>) AS difference</a:t>
+            </a:r>
+          </a:p>
+          <a:p>
+            <a:r>
+              <a:rPr lang="en-US" sz="1000" dirty="0"/>
+              <a:t>	, ((AVG(</a:t>
+            </a:r>
+            <a:r>
+              <a:rPr lang="en-US" sz="1000" dirty="0" err="1"/>
+              <a:t>bids.bid_price</a:t>
+            </a:r>
+            <a:r>
+              <a:rPr lang="en-US" sz="1000" dirty="0"/>
+              <a:t>) - AVG(</a:t>
+            </a:r>
+            <a:r>
+              <a:rPr lang="en-US" sz="1000" dirty="0" err="1"/>
+              <a:t>avg_bid.bid_price</a:t>
+            </a:r>
+            <a:r>
+              <a:rPr lang="en-US" sz="1000" dirty="0"/>
+              <a:t>))/ AVG(</a:t>
+            </a:r>
+            <a:r>
+              <a:rPr lang="en-US" sz="1000" dirty="0" err="1"/>
+              <a:t>bids.bid_price</a:t>
+            </a:r>
+            <a:r>
+              <a:rPr lang="en-US" sz="1000" dirty="0"/>
+              <a:t>))*100 AS </a:t>
+            </a:r>
+            <a:r>
+              <a:rPr lang="en-US" sz="1000" dirty="0" err="1"/>
+              <a:t>difference_percent</a:t>
+            </a:r>
+            <a:endParaRPr lang="en-US" sz="1000" dirty="0"/>
+          </a:p>
+          <a:p>
+            <a:r>
+              <a:rPr lang="en-US" sz="1000" dirty="0"/>
+              <a:t>FROM bids</a:t>
+            </a:r>
+          </a:p>
+          <a:p>
+            <a:r>
+              <a:rPr lang="en-US" sz="1000" dirty="0"/>
+              <a:t>	LEFT JOIN advertisement USING (</a:t>
+            </a:r>
+            <a:r>
+              <a:rPr lang="en-US" sz="1000" dirty="0" err="1"/>
+              <a:t>adv_id</a:t>
+            </a:r>
+            <a:r>
+              <a:rPr lang="en-US" sz="1000" dirty="0"/>
+              <a:t>)</a:t>
+            </a:r>
+          </a:p>
+          <a:p>
+            <a:r>
+              <a:rPr lang="en-US" sz="1000" dirty="0"/>
+              <a:t>	LEFT JOIN cars USING (</a:t>
+            </a:r>
+            <a:r>
+              <a:rPr lang="en-US" sz="1000" dirty="0" err="1"/>
+              <a:t>car_id</a:t>
+            </a:r>
+            <a:r>
+              <a:rPr lang="en-US" sz="1000" dirty="0"/>
+              <a:t>)</a:t>
+            </a:r>
+          </a:p>
+          <a:p>
+            <a:r>
+              <a:rPr lang="en-US" sz="1000" dirty="0"/>
+              <a:t>	LEFT JOIN model_bid_int_6m </a:t>
+            </a:r>
+            <a:r>
+              <a:rPr lang="en-US" sz="1000" dirty="0" err="1"/>
+              <a:t>avg_bid</a:t>
+            </a:r>
+            <a:r>
+              <a:rPr lang="en-US" sz="1000" dirty="0"/>
+              <a:t> ON </a:t>
+            </a:r>
+            <a:r>
+              <a:rPr lang="en-US" sz="1000" dirty="0" err="1"/>
+              <a:t>avg_bid.model</a:t>
+            </a:r>
+            <a:r>
+              <a:rPr lang="en-US" sz="1000" dirty="0"/>
+              <a:t> = </a:t>
+            </a:r>
+            <a:r>
+              <a:rPr lang="en-US" sz="1000" dirty="0" err="1"/>
+              <a:t>cars.model</a:t>
+            </a:r>
+            <a:endParaRPr lang="en-US" sz="1000" dirty="0"/>
+          </a:p>
+          <a:p>
+            <a:r>
+              <a:rPr lang="en-US" sz="1000" dirty="0"/>
+              <a:t>GROUP BY </a:t>
+            </a:r>
+            <a:r>
+              <a:rPr lang="en-US" sz="1000" dirty="0" err="1"/>
+              <a:t>cars.model</a:t>
+            </a:r>
             <a:r>
               <a:rPr lang="en-US" sz="1000"/>
-              <a:t>WITH avg_per_city as</a:t>
-            </a:r>
-            <a:endParaRPr lang="en-US" sz="1000"/>
-          </a:p>
-          <a:p>
-            <a:r>
-              <a:rPr lang="en-US" sz="1000"/>
-              <a:t>	(</a:t>
-            </a:r>
-            <a:endParaRPr lang="en-US" sz="1000"/>
-          </a:p>
-          <a:p>
-            <a:r>
-              <a:rPr lang="en-US" sz="1000"/>
-              <a:t>		SELECT cities.city_id</a:t>
-            </a:r>
-            <a:endParaRPr lang="en-US" sz="1000"/>
-          </a:p>
-          <a:p>
-            <a:r>
-              <a:rPr lang="en-US" sz="1000"/>
-              <a:t>			, AVG(cars.price) AS avg_price</a:t>
-            </a:r>
-            <a:endParaRPr lang="en-US" sz="1000"/>
-          </a:p>
-          <a:p>
-            <a:r>
-              <a:rPr lang="en-US" sz="1000"/>
-              <a:t>		FROM users </a:t>
-            </a:r>
-            <a:endParaRPr lang="en-US" sz="1000"/>
-          </a:p>
-          <a:p>
-            <a:r>
-              <a:rPr lang="en-US" sz="1000"/>
-              <a:t>			JOIN advertisement adv USING (user_id)</a:t>
-            </a:r>
-            <a:endParaRPr lang="en-US" sz="1000"/>
-          </a:p>
-          <a:p>
-            <a:r>
-              <a:rPr lang="en-US" sz="1000"/>
-              <a:t>			JOIN cities USING (city_id)</a:t>
-            </a:r>
-            <a:endParaRPr lang="en-US" sz="1000"/>
-          </a:p>
-          <a:p>
-            <a:r>
-              <a:rPr lang="en-US" sz="1000"/>
-              <a:t>			JOIN cars ON adv.car_id = cars.car_id</a:t>
-            </a:r>
-            <a:endParaRPr lang="en-US" sz="1000"/>
-          </a:p>
-          <a:p>
-            <a:r>
-              <a:rPr lang="en-US" sz="1000"/>
-              <a:t>		GROUP BY cities.city_id</a:t>
-            </a:r>
-            <a:endParaRPr lang="en-US" sz="1000"/>
-          </a:p>
-          <a:p>
-            <a:r>
-              <a:rPr lang="en-US" sz="1000"/>
-              <a:t>	)</a:t>
-            </a:r>
-            <a:endParaRPr lang="en-US" sz="1000"/>
-          </a:p>
-          <a:p>
-            <a:endParaRPr lang="en-US" sz="1000"/>
-          </a:p>
-          <a:p>
-            <a:r>
-              <a:rPr lang="en-US" sz="1000"/>
-              <a:t>SELECT cities.city_name</a:t>
-            </a:r>
-            <a:endParaRPr lang="en-US" sz="1000"/>
-          </a:p>
-          <a:p>
-            <a:r>
-              <a:rPr lang="en-US" sz="1000"/>
-              <a:t>	, cars.brand</a:t>
-            </a:r>
-            <a:endParaRPr lang="en-US" sz="1000"/>
-          </a:p>
-          <a:p>
-            <a:r>
-              <a:rPr lang="en-US" sz="1000"/>
-              <a:t>	, cars.model</a:t>
-            </a:r>
-            <a:endParaRPr lang="en-US" sz="1000"/>
-          </a:p>
-          <a:p>
-            <a:r>
-              <a:rPr lang="en-US" sz="1000"/>
-              <a:t>	, cars.year</a:t>
-            </a:r>
-            <a:endParaRPr lang="en-US" sz="1000"/>
-          </a:p>
-          <a:p>
-            <a:r>
-              <a:rPr lang="en-US" sz="1000"/>
-              <a:t>	, cars.price</a:t>
-            </a:r>
-            <a:endParaRPr lang="en-US" sz="1000"/>
-          </a:p>
-          <a:p>
-            <a:r>
-              <a:rPr lang="en-US" sz="1000"/>
-              <a:t>	, apc.avg_price</a:t>
-            </a:r>
-            <a:endParaRPr lang="en-US" sz="1000"/>
-          </a:p>
-          <a:p>
-            <a:r>
-              <a:rPr lang="en-US" sz="1000"/>
-              <a:t>FROM users </a:t>
-            </a:r>
-            <a:endParaRPr lang="en-US" sz="1000"/>
-          </a:p>
-          <a:p>
-            <a:r>
-              <a:rPr lang="en-US" sz="1000"/>
-              <a:t>JOIN advertisement adv USING (user_id)</a:t>
-            </a:r>
-            <a:endParaRPr lang="en-US" sz="1000"/>
-          </a:p>
-          <a:p>
-            <a:r>
-              <a:rPr lang="en-US" sz="1000"/>
-              <a:t>JOIN cities USING (city_id)</a:t>
-            </a:r>
-            <a:endParaRPr lang="en-US" sz="1000"/>
-          </a:p>
-          <a:p>
-            <a:r>
-              <a:rPr lang="en-US" sz="1000"/>
-              <a:t>JOIN cars ON adv.car_id = cars.car_id</a:t>
-            </a:r>
-            <a:endParaRPr lang="en-US" sz="1000"/>
-          </a:p>
-          <a:p>
-            <a:r>
-              <a:rPr lang="en-US" sz="1000"/>
-              <a:t>JOIN avg_per_city apc USING (city_id)</a:t>
-            </a:r>
-            <a:endParaRPr lang="en-US" sz="1000"/>
+              <a:t>;</a:t>
+            </a:r>
+            <a:endParaRPr lang="en-US" sz="1000" dirty="0"/>
           </a:p>
         </p:txBody>
       </p:sp>
@@ -9617,7 +9937,6 @@
               <a:rPr lang="en-US"/>
               <a:t>Thank You</a:t>
             </a:r>
-            <a:endParaRPr lang="en-US"/>
           </a:p>
         </p:txBody>
       </p:sp>
@@ -9655,6 +9974,7 @@
               </a:spcAft>
               <a:buNone/>
             </a:pPr>
+            <a:endParaRPr/>
           </a:p>
         </p:txBody>
       </p:sp>
@@ -9694,6 +10014,7 @@
             </a:pPr>
             <a:fld id="{00000000-1234-1234-1234-123412341234}" type="slidenum">
               <a:rPr lang="en-US"/>
+              <a:t>13</a:t>
             </a:fld>
             <a:endParaRPr lang="en-US"/>
           </a:p>
@@ -9791,9 +10112,12 @@
             </a:pPr>
             <a:r>
               <a:rPr lang="en-US" sz="1625" dirty="0"/>
-              <a:t>Design Database</a:t>
-            </a:r>
-            <a:endParaRPr lang="en-US" sz="1625" dirty="0"/>
+              <a:t>Design </a:t>
+            </a:r>
+            <a:r>
+              <a:rPr lang="en-US" sz="1625" dirty="0" smtClean="0"/>
+              <a:t>Database</a:t>
+            </a:r>
           </a:p>
           <a:p>
             <a:pPr marL="457200" lvl="0" indent="-332105" algn="l" rtl="0">
@@ -9810,10 +10134,9 @@
               <a:buAutoNum type="arabicPeriod"/>
             </a:pPr>
             <a:r>
-              <a:rPr lang="en-US" sz="1625" dirty="0"/>
-              <a:t>Code Flows</a:t>
-            </a:r>
-            <a:endParaRPr sz="1625" dirty="0"/>
+              <a:rPr lang="en-US" sz="1625" dirty="0" smtClean="0"/>
+              <a:t>Transactional Query</a:t>
+            </a:r>
           </a:p>
           <a:p>
             <a:pPr marL="457200" lvl="0" indent="-332105" algn="l" rtl="0">
@@ -9830,30 +10153,10 @@
               <a:buAutoNum type="arabicPeriod"/>
             </a:pPr>
             <a:r>
-              <a:rPr lang="en-US" sz="1625" dirty="0"/>
-              <a:t>Functions</a:t>
-            </a:r>
-            <a:endParaRPr sz="1625" dirty="0"/>
-          </a:p>
-          <a:p>
-            <a:pPr marL="457200" lvl="0" indent="-332105" algn="l" rtl="0">
-              <a:lnSpc>
-                <a:spcPct val="105000"/>
-              </a:lnSpc>
-              <a:spcBef>
-                <a:spcPts val="0"/>
-              </a:spcBef>
-              <a:spcAft>
-                <a:spcPts val="0"/>
-              </a:spcAft>
-              <a:buSzPts val="1628"/>
-              <a:buAutoNum type="arabicPeriod"/>
-            </a:pPr>
-            <a:r>
-              <a:rPr lang="en-US" sz="1625" dirty="0"/>
-              <a:t>Demo</a:t>
-            </a:r>
-            <a:endParaRPr sz="820" dirty="0"/>
+              <a:rPr lang="en-US" sz="1625" dirty="0" smtClean="0"/>
+              <a:t>Analytical Query</a:t>
+            </a:r>
+            <a:endParaRPr lang="en-US" sz="1625" dirty="0"/>
           </a:p>
         </p:txBody>
       </p:sp>
@@ -9941,6 +10244,7 @@
               </a:spcAft>
               <a:buNone/>
             </a:pPr>
+            <a:endParaRPr/>
           </a:p>
         </p:txBody>
       </p:sp>
@@ -9980,6 +10284,7 @@
             </a:pPr>
             <a:fld id="{00000000-1234-1234-1234-123412341234}" type="slidenum">
               <a:rPr lang="en-US"/>
+              <a:t>2</a:t>
             </a:fld>
             <a:endParaRPr lang="en-US"/>
           </a:p>
@@ -10055,7 +10360,6 @@
               <a:rPr lang="en-US"/>
               <a:t>Latar Belakang</a:t>
             </a:r>
-            <a:endParaRPr lang="en-US"/>
           </a:p>
         </p:txBody>
       </p:sp>
@@ -10109,11 +10413,6 @@
               </a:rPr>
               <a:t>Membangun pemahaman dan pengaplikasian data dalam membangun sebuah sistem. Dalam project ini kita diminta untuk membangun relational database untuk sebuah website yang menawarkan penjualan mobil bekas. </a:t>
             </a:r>
-            <a:endParaRPr lang="en-US" sz="1800" dirty="0">
-              <a:solidFill>
-                <a:schemeClr val="dk2"/>
-              </a:solidFill>
-            </a:endParaRPr>
           </a:p>
           <a:p>
             <a:pPr marL="0" lvl="0" indent="0" algn="l" rtl="0">
@@ -10164,30 +10463,126 @@
             </a:endParaRPr>
           </a:p>
           <a:p>
-            <a:pPr marL="0" lvl="0" indent="0" algn="l" rtl="0">
+            <a:pPr lvl="0">
               <a:lnSpc>
                 <a:spcPct val="115000"/>
               </a:lnSpc>
-              <a:spcBef>
-                <a:spcPts val="0"/>
-              </a:spcBef>
-              <a:spcAft>
-                <a:spcPts val="0"/>
-              </a:spcAft>
               <a:buClr>
                 <a:schemeClr val="dk2"/>
               </a:buClr>
               <a:buSzPts val="1100"/>
-              <a:buFont typeface="Arial" panose="020B0604020202020204"/>
-              <a:buNone/>
             </a:pPr>
             <a:r>
+              <a:rPr lang="en-US" sz="1800" dirty="0" smtClean="0">
+                <a:solidFill>
+                  <a:schemeClr val="dk2"/>
+                </a:solidFill>
+              </a:rPr>
+              <a:t>Project </a:t>
+            </a:r>
+            <a:r>
+              <a:rPr lang="en-US" sz="1800" dirty="0" err="1" smtClean="0">
+                <a:solidFill>
+                  <a:schemeClr val="dk2"/>
+                </a:solidFill>
+              </a:rPr>
+              <a:t>ini</a:t>
+            </a:r>
+            <a:r>
+              <a:rPr lang="en-US" sz="1800" dirty="0" smtClean="0">
+                <a:solidFill>
+                  <a:schemeClr val="dk2"/>
+                </a:solidFill>
+              </a:rPr>
+              <a:t> </a:t>
+            </a:r>
+            <a:r>
+              <a:rPr lang="en-US" sz="1800" dirty="0" err="1" smtClean="0">
+                <a:solidFill>
+                  <a:schemeClr val="dk2"/>
+                </a:solidFill>
+              </a:rPr>
+              <a:t>dibuat</a:t>
+            </a:r>
+            <a:r>
+              <a:rPr lang="en-US" sz="1800" dirty="0" smtClean="0">
+                <a:solidFill>
+                  <a:schemeClr val="dk2"/>
+                </a:solidFill>
+              </a:rPr>
+              <a:t> </a:t>
+            </a:r>
+            <a:r>
+              <a:rPr lang="en-US" sz="1800" dirty="0" err="1" smtClean="0">
+                <a:solidFill>
+                  <a:schemeClr val="dk2"/>
+                </a:solidFill>
+              </a:rPr>
+              <a:t>untuk</a:t>
+            </a:r>
+            <a:r>
+              <a:rPr lang="en-US" sz="1800" dirty="0" smtClean="0">
+                <a:solidFill>
+                  <a:schemeClr val="dk2"/>
+                </a:solidFill>
+              </a:rPr>
+              <a:t> </a:t>
+            </a:r>
+            <a:r>
+              <a:rPr lang="en-US" sz="1800" dirty="0" err="1" smtClean="0">
+                <a:solidFill>
+                  <a:schemeClr val="dk2"/>
+                </a:solidFill>
+              </a:rPr>
+              <a:t>memenuhi</a:t>
+            </a:r>
+            <a:r>
+              <a:rPr lang="en-US" sz="1800" dirty="0" smtClean="0">
+                <a:solidFill>
+                  <a:schemeClr val="dk2"/>
+                </a:solidFill>
+              </a:rPr>
+              <a:t> </a:t>
+            </a:r>
+            <a:r>
+              <a:rPr lang="en-US" sz="1800" dirty="0" err="1" smtClean="0">
+                <a:solidFill>
+                  <a:schemeClr val="dk2"/>
+                </a:solidFill>
+              </a:rPr>
+              <a:t>nilai</a:t>
+            </a:r>
+            <a:r>
+              <a:rPr lang="en-US" sz="1800" dirty="0" smtClean="0">
+                <a:solidFill>
+                  <a:schemeClr val="dk2"/>
+                </a:solidFill>
+              </a:rPr>
+              <a:t> </a:t>
+            </a:r>
+            <a:r>
+              <a:rPr lang="en-US" sz="1800" dirty="0" err="1" smtClean="0">
+                <a:solidFill>
+                  <a:schemeClr val="dk2"/>
+                </a:solidFill>
+              </a:rPr>
+              <a:t>kelulusan</a:t>
+            </a:r>
+            <a:r>
+              <a:rPr lang="en-US" sz="1800" dirty="0" smtClean="0">
+                <a:solidFill>
+                  <a:schemeClr val="dk2"/>
+                </a:solidFill>
+              </a:rPr>
+              <a:t> </a:t>
+            </a:r>
+            <a:r>
               <a:rPr lang="en-US" sz="1800" dirty="0">
                 <a:solidFill>
                   <a:schemeClr val="dk2"/>
                 </a:solidFill>
               </a:rPr>
-              <a:t>Project ini dibuat untuk memenuhi nilai kelulusan course “Introduction to Software and Data Engineering”</a:t>
+              <a:t>course “Relational Database (SQL)”</a:t>
             </a:r>
             <a:endParaRPr lang="en-US" sz="1800" dirty="0">
               <a:solidFill>
@@ -10233,6 +10628,7 @@
             </a:pPr>
             <a:fld id="{00000000-1234-1234-1234-123412341234}" type="slidenum">
               <a:rPr lang="en-US"/>
+              <a:t>3</a:t>
             </a:fld>
             <a:endParaRPr lang="en-US"/>
           </a:p>
@@ -10595,7 +10991,6 @@
               <a:rPr lang="en-US"/>
               <a:t>Design Database</a:t>
             </a:r>
-            <a:endParaRPr lang="en-US"/>
           </a:p>
         </p:txBody>
       </p:sp>
@@ -10608,7 +11003,7 @@
           <p:nvPr/>
         </p:nvPicPr>
         <p:blipFill>
-          <a:blip r:embed="rId1"/>
+          <a:blip r:embed="rId3"/>
           <a:stretch>
             <a:fillRect/>
           </a:stretch>
@@ -10693,7 +11088,6 @@
               <a:rPr lang="en-US"/>
               <a:t>Transactional Query 1</a:t>
             </a:r>
-            <a:endParaRPr lang="en-US"/>
           </a:p>
         </p:txBody>
       </p:sp>
@@ -10733,6 +11127,7 @@
             </a:pPr>
             <a:fld id="{00000000-1234-1234-1234-123412341234}" type="slidenum">
               <a:rPr lang="en-US"/>
+              <a:t>5</a:t>
             </a:fld>
             <a:endParaRPr lang="en-US"/>
           </a:p>
@@ -10747,7 +11142,7 @@
           <p:nvPr/>
         </p:nvPicPr>
         <p:blipFill>
-          <a:blip r:embed="rId1"/>
+          <a:blip r:embed="rId3"/>
           <a:stretch>
             <a:fillRect/>
           </a:stretch>
@@ -10832,7 +11227,6 @@
               <a:rPr lang="en-US"/>
               <a:t>Transactional Query 2</a:t>
             </a:r>
-            <a:endParaRPr lang="en-US"/>
           </a:p>
         </p:txBody>
       </p:sp>
@@ -10872,6 +11266,7 @@
             </a:pPr>
             <a:fld id="{00000000-1234-1234-1234-123412341234}" type="slidenum">
               <a:rPr lang="en-US"/>
+              <a:t>6</a:t>
             </a:fld>
             <a:endParaRPr lang="en-US"/>
           </a:p>
@@ -10886,7 +11281,7 @@
           <p:nvPr/>
         </p:nvPicPr>
         <p:blipFill>
-          <a:blip r:embed="rId1"/>
+          <a:blip r:embed="rId3"/>
           <a:stretch>
             <a:fillRect/>
           </a:stretch>
@@ -10971,7 +11366,6 @@
               <a:rPr lang="en-US"/>
               <a:t>Transactional Query 3</a:t>
             </a:r>
-            <a:endParaRPr lang="en-US"/>
           </a:p>
         </p:txBody>
       </p:sp>
@@ -11011,6 +11405,7 @@
             </a:pPr>
             <a:fld id="{00000000-1234-1234-1234-123412341234}" type="slidenum">
               <a:rPr lang="en-US"/>
+              <a:t>7</a:t>
             </a:fld>
             <a:endParaRPr lang="en-US"/>
           </a:p>
@@ -11025,7 +11420,7 @@
           <p:nvPr/>
         </p:nvPicPr>
         <p:blipFill>
-          <a:blip r:embed="rId1"/>
+          <a:blip r:embed="rId3"/>
           <a:stretch>
             <a:fillRect/>
           </a:stretch>
@@ -11110,7 +11505,6 @@
               <a:rPr lang="en-US"/>
               <a:t>Transactional Query 4</a:t>
             </a:r>
-            <a:endParaRPr lang="en-US"/>
           </a:p>
         </p:txBody>
       </p:sp>
@@ -11150,6 +11544,7 @@
             </a:pPr>
             <a:fld id="{00000000-1234-1234-1234-123412341234}" type="slidenum">
               <a:rPr lang="en-US"/>
+              <a:t>8</a:t>
             </a:fld>
             <a:endParaRPr lang="en-US"/>
           </a:p>
@@ -11164,7 +11559,7 @@
           <p:nvPr/>
         </p:nvPicPr>
         <p:blipFill>
-          <a:blip r:embed="rId1"/>
+          <a:blip r:embed="rId3"/>
           <a:stretch>
             <a:fillRect/>
           </a:stretch>
@@ -11249,7 +11644,6 @@
               <a:rPr lang="en-US"/>
               <a:t>Analytical Query 1</a:t>
             </a:r>
-            <a:endParaRPr lang="en-US"/>
           </a:p>
         </p:txBody>
       </p:sp>
@@ -11289,6 +11683,7 @@
             </a:pPr>
             <a:fld id="{00000000-1234-1234-1234-123412341234}" type="slidenum">
               <a:rPr lang="en-US"/>
+              <a:t>9</a:t>
             </a:fld>
             <a:endParaRPr lang="en-US"/>
           </a:p>
@@ -11303,7 +11698,7 @@
           <p:nvPr/>
         </p:nvPicPr>
         <p:blipFill>
-          <a:blip r:embed="rId1"/>
+          <a:blip r:embed="rId3"/>
           <a:stretch>
             <a:fillRect/>
           </a:stretch>
@@ -11609,6 +12004,8 @@
       </a:bgFillStyleLst>
     </a:fmtScheme>
   </a:themeElements>
+  <a:objectDefaults/>
+  <a:extraClrSchemeLst/>
   <a:extLst>
     <a:ext uri="{05A4C25C-085E-4340-85A3-A5531E510DB2}">
       <thm15:themeFamily xmlns:thm15="http://schemas.microsoft.com/office/thememl/2012/main" name="Office Theme" id="{62F939B6-93AF-4DB8-9C6B-D6C7DFDC589F}" vid="{4A3C46E8-61CC-4603-A589-7422A47A8E4A}"/>
@@ -11893,6 +12290,8 @@
       </a:bgFillStyleLst>
     </a:fmtScheme>
   </a:themeElements>
+  <a:objectDefaults/>
+  <a:extraClrSchemeLst/>
   <a:extLst>
     <a:ext uri="{05A4C25C-085E-4340-85A3-A5531E510DB2}">
       <thm15:themeFamily xmlns:thm15="http://schemas.microsoft.com/office/thememl/2012/main" name="Office Theme" id="{62F939B6-93AF-4DB8-9C6B-D6C7DFDC589F}" vid="{4A3C46E8-61CC-4603-A589-7422A47A8E4A}"/>
